--- a/doc/kubedev.pptx
+++ b/doc/kubedev.pptx
@@ -204,7 +204,7 @@
           <a:p>
             <a:fld id="{85D2E5E6-8ACF-4249-B6A2-B4B06C2A58D1}" type="datetimeFigureOut">
               <a:rPr lang="en-US" smtClean="0"/>
-              <a:t>3/7/2020</a:t>
+              <a:t>3/8/2020</a:t>
             </a:fld>
             <a:endParaRPr lang="en-US"/>
           </a:p>
@@ -919,7 +919,7 @@
           <a:p>
             <a:fld id="{FB92D7AE-B8DF-490A-A568-D5965E5CB2BE}" type="datetimeFigureOut">
               <a:rPr lang="en-US" smtClean="0"/>
-              <a:t>3/7/2020</a:t>
+              <a:t>3/8/2020</a:t>
             </a:fld>
             <a:endParaRPr lang="en-US"/>
           </a:p>
@@ -1117,7 +1117,7 @@
           <a:p>
             <a:fld id="{FB92D7AE-B8DF-490A-A568-D5965E5CB2BE}" type="datetimeFigureOut">
               <a:rPr lang="en-US" smtClean="0"/>
-              <a:t>3/7/2020</a:t>
+              <a:t>3/8/2020</a:t>
             </a:fld>
             <a:endParaRPr lang="en-US"/>
           </a:p>
@@ -1325,7 +1325,7 @@
           <a:p>
             <a:fld id="{FB92D7AE-B8DF-490A-A568-D5965E5CB2BE}" type="datetimeFigureOut">
               <a:rPr lang="en-US" smtClean="0"/>
-              <a:t>3/7/2020</a:t>
+              <a:t>3/8/2020</a:t>
             </a:fld>
             <a:endParaRPr lang="en-US"/>
           </a:p>
@@ -2016,7 +2016,7 @@
           <a:p>
             <a:fld id="{FB92D7AE-B8DF-490A-A568-D5965E5CB2BE}" type="datetimeFigureOut">
               <a:rPr lang="en-US" smtClean="0"/>
-              <a:t>3/7/2020</a:t>
+              <a:t>3/8/2020</a:t>
             </a:fld>
             <a:endParaRPr lang="en-US"/>
           </a:p>
@@ -2291,7 +2291,7 @@
           <a:p>
             <a:fld id="{FB92D7AE-B8DF-490A-A568-D5965E5CB2BE}" type="datetimeFigureOut">
               <a:rPr lang="en-US" smtClean="0"/>
-              <a:t>3/7/2020</a:t>
+              <a:t>3/8/2020</a:t>
             </a:fld>
             <a:endParaRPr lang="en-US"/>
           </a:p>
@@ -2556,7 +2556,7 @@
           <a:p>
             <a:fld id="{FB92D7AE-B8DF-490A-A568-D5965E5CB2BE}" type="datetimeFigureOut">
               <a:rPr lang="en-US" smtClean="0"/>
-              <a:t>3/7/2020</a:t>
+              <a:t>3/8/2020</a:t>
             </a:fld>
             <a:endParaRPr lang="en-US"/>
           </a:p>
@@ -2968,7 +2968,7 @@
           <a:p>
             <a:fld id="{FB92D7AE-B8DF-490A-A568-D5965E5CB2BE}" type="datetimeFigureOut">
               <a:rPr lang="en-US" smtClean="0"/>
-              <a:t>3/7/2020</a:t>
+              <a:t>3/8/2020</a:t>
             </a:fld>
             <a:endParaRPr lang="en-US"/>
           </a:p>
@@ -3109,7 +3109,7 @@
           <a:p>
             <a:fld id="{FB92D7AE-B8DF-490A-A568-D5965E5CB2BE}" type="datetimeFigureOut">
               <a:rPr lang="en-US" smtClean="0"/>
-              <a:t>3/7/2020</a:t>
+              <a:t>3/8/2020</a:t>
             </a:fld>
             <a:endParaRPr lang="en-US"/>
           </a:p>
@@ -3222,7 +3222,7 @@
           <a:p>
             <a:fld id="{FB92D7AE-B8DF-490A-A568-D5965E5CB2BE}" type="datetimeFigureOut">
               <a:rPr lang="en-US" smtClean="0"/>
-              <a:t>3/7/2020</a:t>
+              <a:t>3/8/2020</a:t>
             </a:fld>
             <a:endParaRPr lang="en-US"/>
           </a:p>
@@ -3533,7 +3533,7 @@
           <a:p>
             <a:fld id="{FB92D7AE-B8DF-490A-A568-D5965E5CB2BE}" type="datetimeFigureOut">
               <a:rPr lang="en-US" smtClean="0"/>
-              <a:t>3/7/2020</a:t>
+              <a:t>3/8/2020</a:t>
             </a:fld>
             <a:endParaRPr lang="en-US"/>
           </a:p>
@@ -3821,7 +3821,7 @@
           <a:p>
             <a:fld id="{FB92D7AE-B8DF-490A-A568-D5965E5CB2BE}" type="datetimeFigureOut">
               <a:rPr lang="en-US" smtClean="0"/>
-              <a:t>3/7/2020</a:t>
+              <a:t>3/8/2020</a:t>
             </a:fld>
             <a:endParaRPr lang="en-US"/>
           </a:p>
@@ -4062,7 +4062,7 @@
           <a:p>
             <a:fld id="{FB92D7AE-B8DF-490A-A568-D5965E5CB2BE}" type="datetimeFigureOut">
               <a:rPr lang="en-US" smtClean="0"/>
-              <a:t>3/7/2020</a:t>
+              <a:t>3/8/2020</a:t>
             </a:fld>
             <a:endParaRPr lang="en-US"/>
           </a:p>
@@ -4742,7 +4742,15 @@
           <a:p>
             <a:r>
               <a:rPr lang="en-US" sz="3200" dirty="0"/>
-              <a:t>a continuous delivery Standard for your K8s applications on IBM Cloud</a:t>
+              <a:t>a continuous delivery Standard for your </a:t>
+            </a:r>
+            <a:r>
+              <a:rPr lang="en-US" sz="3200"/>
+              <a:t>K8s workloads </a:t>
+            </a:r>
+            <a:r>
+              <a:rPr lang="en-US" sz="3200" dirty="0"/>
+              <a:t>on IBM Cloud</a:t>
             </a:r>
           </a:p>
           <a:p>

--- a/doc/kubedev.pptx
+++ b/doc/kubedev.pptx
@@ -4742,15 +4742,7 @@
           <a:p>
             <a:r>
               <a:rPr lang="en-US" sz="3200" dirty="0"/>
-              <a:t>a continuous delivery Standard for your </a:t>
-            </a:r>
-            <a:r>
-              <a:rPr lang="en-US" sz="3200"/>
-              <a:t>K8s workloads </a:t>
-            </a:r>
-            <a:r>
-              <a:rPr lang="en-US" sz="3200" dirty="0"/>
-              <a:t>on IBM Cloud</a:t>
+              <a:t>a continuous delivery Standard for your K8s workloads on IBM Cloud</a:t>
             </a:r>
           </a:p>
           <a:p>
@@ -8298,9 +8290,9 @@
         <p:grpSpPr>
           <a:xfrm>
             <a:off x="624706" y="1694016"/>
-            <a:ext cx="3547473" cy="2517494"/>
+            <a:ext cx="3547473" cy="2853402"/>
             <a:chOff x="624706" y="1694016"/>
-            <a:chExt cx="3547473" cy="2517494"/>
+            <a:chExt cx="3547473" cy="2853402"/>
           </a:xfrm>
         </p:grpSpPr>
         <p:grpSp>
@@ -8318,9 +8310,9 @@
           <p:grpSpPr>
             <a:xfrm>
               <a:off x="624706" y="1694016"/>
-              <a:ext cx="3536305" cy="2377794"/>
+              <a:ext cx="3536305" cy="2713702"/>
               <a:chOff x="1859617" y="1668585"/>
-              <a:chExt cx="3536305" cy="2377794"/>
+              <a:chExt cx="3536305" cy="2713702"/>
             </a:xfrm>
           </p:grpSpPr>
           <p:cxnSp>
@@ -8342,11 +8334,11 @@
             <p:spPr bwMode="auto">
               <a:xfrm rot="10800000" flipH="1" flipV="1">
                 <a:off x="3785255" y="2077595"/>
-                <a:ext cx="18459" cy="1968784"/>
+                <a:ext cx="18459" cy="2304692"/>
               </a:xfrm>
               <a:prstGeom prst="bentConnector3">
                 <a:avLst>
-                  <a:gd name="adj1" fmla="val -676662"/>
+                  <a:gd name="adj1" fmla="val -1238420"/>
                 </a:avLst>
               </a:prstGeom>
               <a:ln w="3175">
@@ -9594,7 +9586,7 @@
           </p:nvSpPr>
           <p:spPr bwMode="auto">
             <a:xfrm>
-              <a:off x="2568804" y="3932110"/>
+              <a:off x="2568804" y="4268018"/>
               <a:ext cx="1603375" cy="279400"/>
             </a:xfrm>
             <a:prstGeom prst="flowChartProcess">
@@ -9731,6 +9723,158 @@
           </p:txBody>
         </p:sp>
       </p:grpSp>
+      <p:sp>
+        <p:nvSpPr>
+          <p:cNvPr id="35" name="AutoShape 25">
+            <a:extLst>
+              <a:ext uri="{FF2B5EF4-FFF2-40B4-BE49-F238E27FC236}">
+                <a16:creationId xmlns:a16="http://schemas.microsoft.com/office/drawing/2014/main" id="{552D1234-41C2-409D-B8DA-3D60EB99D1AE}"/>
+              </a:ext>
+            </a:extLst>
+          </p:cNvPr>
+          <p:cNvSpPr>
+            <a:spLocks noChangeArrowheads="1"/>
+          </p:cNvSpPr>
+          <p:nvPr/>
+        </p:nvSpPr>
+        <p:spPr bwMode="auto">
+          <a:xfrm>
+            <a:off x="2570075" y="3930676"/>
+            <a:ext cx="1603375" cy="279400"/>
+          </a:xfrm>
+          <a:prstGeom prst="flowChartProcess">
+            <a:avLst/>
+          </a:prstGeom>
+          <a:solidFill>
+            <a:srgbClr val="E64AB9"/>
+          </a:solidFill>
+          <a:ln>
+            <a:noFill/>
+          </a:ln>
+        </p:spPr>
+        <p:txBody>
+          <a:bodyPr wrap="none" lIns="60960" rIns="60960" anchor="ctr"/>
+          <a:lstStyle>
+            <a:lvl1pPr>
+              <a:defRPr sz="1400">
+                <a:solidFill>
+                  <a:schemeClr val="tx1"/>
+                </a:solidFill>
+                <a:latin typeface="Arial" charset="0"/>
+                <a:ea typeface="ＭＳ Ｐゴシック" charset="-128"/>
+              </a:defRPr>
+            </a:lvl1pPr>
+            <a:lvl2pPr marL="742950" indent="-285750">
+              <a:defRPr sz="1400">
+                <a:solidFill>
+                  <a:schemeClr val="tx1"/>
+                </a:solidFill>
+                <a:latin typeface="Arial" charset="0"/>
+                <a:ea typeface="ＭＳ Ｐゴシック" charset="-128"/>
+              </a:defRPr>
+            </a:lvl2pPr>
+            <a:lvl3pPr marL="1143000" indent="-228600">
+              <a:defRPr sz="1400">
+                <a:solidFill>
+                  <a:schemeClr val="tx1"/>
+                </a:solidFill>
+                <a:latin typeface="Arial" charset="0"/>
+                <a:ea typeface="ＭＳ Ｐゴシック" charset="-128"/>
+              </a:defRPr>
+            </a:lvl3pPr>
+            <a:lvl4pPr marL="1600200" indent="-228600">
+              <a:defRPr sz="1400">
+                <a:solidFill>
+                  <a:schemeClr val="tx1"/>
+                </a:solidFill>
+                <a:latin typeface="Arial" charset="0"/>
+                <a:ea typeface="ＭＳ Ｐゴシック" charset="-128"/>
+              </a:defRPr>
+            </a:lvl4pPr>
+            <a:lvl5pPr marL="2057400" indent="-228600">
+              <a:defRPr sz="1400">
+                <a:solidFill>
+                  <a:schemeClr val="tx1"/>
+                </a:solidFill>
+                <a:latin typeface="Arial" charset="0"/>
+                <a:ea typeface="ＭＳ Ｐゴシック" charset="-128"/>
+              </a:defRPr>
+            </a:lvl5pPr>
+            <a:lvl6pPr marL="2514600" indent="-228600" eaLnBrk="0" fontAlgn="base" hangingPunct="0">
+              <a:spcBef>
+                <a:spcPct val="0"/>
+              </a:spcBef>
+              <a:spcAft>
+                <a:spcPct val="0"/>
+              </a:spcAft>
+              <a:defRPr sz="1400">
+                <a:solidFill>
+                  <a:schemeClr val="tx1"/>
+                </a:solidFill>
+                <a:latin typeface="Arial" charset="0"/>
+                <a:ea typeface="ＭＳ Ｐゴシック" charset="-128"/>
+              </a:defRPr>
+            </a:lvl6pPr>
+            <a:lvl7pPr marL="2971800" indent="-228600" eaLnBrk="0" fontAlgn="base" hangingPunct="0">
+              <a:spcBef>
+                <a:spcPct val="0"/>
+              </a:spcBef>
+              <a:spcAft>
+                <a:spcPct val="0"/>
+              </a:spcAft>
+              <a:defRPr sz="1400">
+                <a:solidFill>
+                  <a:schemeClr val="tx1"/>
+                </a:solidFill>
+                <a:latin typeface="Arial" charset="0"/>
+                <a:ea typeface="ＭＳ Ｐゴシック" charset="-128"/>
+              </a:defRPr>
+            </a:lvl7pPr>
+            <a:lvl8pPr marL="3429000" indent="-228600" eaLnBrk="0" fontAlgn="base" hangingPunct="0">
+              <a:spcBef>
+                <a:spcPct val="0"/>
+              </a:spcBef>
+              <a:spcAft>
+                <a:spcPct val="0"/>
+              </a:spcAft>
+              <a:defRPr sz="1400">
+                <a:solidFill>
+                  <a:schemeClr val="tx1"/>
+                </a:solidFill>
+                <a:latin typeface="Arial" charset="0"/>
+                <a:ea typeface="ＭＳ Ｐゴシック" charset="-128"/>
+              </a:defRPr>
+            </a:lvl8pPr>
+            <a:lvl9pPr marL="3886200" indent="-228600" eaLnBrk="0" fontAlgn="base" hangingPunct="0">
+              <a:spcBef>
+                <a:spcPct val="0"/>
+              </a:spcBef>
+              <a:spcAft>
+                <a:spcPct val="0"/>
+              </a:spcAft>
+              <a:defRPr sz="1400">
+                <a:solidFill>
+                  <a:schemeClr val="tx1"/>
+                </a:solidFill>
+                <a:latin typeface="Arial" charset="0"/>
+                <a:ea typeface="ＭＳ Ｐゴシック" charset="-128"/>
+              </a:defRPr>
+            </a:lvl9pPr>
+          </a:lstStyle>
+          <a:p>
+            <a:pPr algn="ctr" defTabSz="914377">
+              <a:defRPr/>
+            </a:pPr>
+            <a:r>
+              <a:rPr lang="en-US" altLang="en-US" kern="0" dirty="0">
+                <a:latin typeface="IBM Plex Sans"/>
+                <a:ea typeface="MS PGothic" charset="-128"/>
+              </a:rPr>
+              <a:t>toolchain</a:t>
+            </a:r>
+          </a:p>
+        </p:txBody>
+      </p:sp>
     </p:spTree>
     <p:extLst>
       <p:ext uri="{BB962C8B-B14F-4D97-AF65-F5344CB8AC3E}">

--- a/doc/kubedev.pptx
+++ b/doc/kubedev.pptx
@@ -10003,36 +10003,6 @@
           </a:prstGeom>
         </p:spPr>
       </p:pic>
-      <p:pic>
-        <p:nvPicPr>
-          <p:cNvPr id="21" name="Picture 21" descr="A close up of a logo&#10;&#10;Description generated with very high confidence">
-            <a:extLst>
-              <a:ext uri="{FF2B5EF4-FFF2-40B4-BE49-F238E27FC236}">
-                <a16:creationId xmlns:a16="http://schemas.microsoft.com/office/drawing/2014/main" id="{0844417D-3CED-44EE-ABBA-6DC5BA96C6CC}"/>
-              </a:ext>
-            </a:extLst>
-          </p:cNvPr>
-          <p:cNvPicPr>
-            <a:picLocks noChangeAspect="1"/>
-          </p:cNvPicPr>
-          <p:nvPr/>
-        </p:nvPicPr>
-        <p:blipFill>
-          <a:blip r:embed="rId4"/>
-          <a:stretch>
-            <a:fillRect/>
-          </a:stretch>
-        </p:blipFill>
-        <p:spPr>
-          <a:xfrm>
-            <a:off x="10818796" y="5002603"/>
-            <a:ext cx="976216" cy="1003715"/>
-          </a:xfrm>
-          <a:prstGeom prst="rect">
-            <a:avLst/>
-          </a:prstGeom>
-        </p:spPr>
-      </p:pic>
       <p:grpSp>
         <p:nvGrpSpPr>
           <p:cNvPr id="16" name="Group 15">
@@ -10047,7 +10017,7 @@
         </p:nvGrpSpPr>
         <p:grpSpPr>
           <a:xfrm>
-            <a:off x="207683" y="2883953"/>
+            <a:off x="207683" y="3079902"/>
             <a:ext cx="3676650" cy="1318535"/>
             <a:chOff x="28575" y="2158090"/>
             <a:chExt cx="3676650" cy="1318535"/>
@@ -10068,7 +10038,7 @@
             <p:nvPr/>
           </p:nvPicPr>
           <p:blipFill>
-            <a:blip r:embed="rId5"/>
+            <a:blip r:embed="rId4"/>
             <a:stretch>
               <a:fillRect/>
             </a:stretch>
@@ -10375,7 +10345,7 @@
         </p:nvGrpSpPr>
         <p:grpSpPr>
           <a:xfrm>
-            <a:off x="3970058" y="2883953"/>
+            <a:off x="3970058" y="3079902"/>
             <a:ext cx="3676650" cy="1318535"/>
             <a:chOff x="3790950" y="2158090"/>
             <a:chExt cx="3676650" cy="1318535"/>
@@ -10591,7 +10561,7 @@
             <p:nvPr/>
           </p:nvPicPr>
           <p:blipFill>
-            <a:blip r:embed="rId5"/>
+            <a:blip r:embed="rId4"/>
             <a:stretch>
               <a:fillRect/>
             </a:stretch>
@@ -10703,7 +10673,7 @@
         </p:nvGrpSpPr>
         <p:grpSpPr>
           <a:xfrm>
-            <a:off x="7761008" y="2883953"/>
+            <a:off x="7761008" y="3079902"/>
             <a:ext cx="3676650" cy="1318535"/>
             <a:chOff x="7581900" y="2158090"/>
             <a:chExt cx="3676650" cy="1318535"/>
@@ -10724,7 +10694,7 @@
             <p:nvPr/>
           </p:nvPicPr>
           <p:blipFill>
-            <a:blip r:embed="rId5"/>
+            <a:blip r:embed="rId4"/>
             <a:stretch>
               <a:fillRect/>
             </a:stretch>
@@ -12106,7 +12076,7 @@
         </p:nvGrpSpPr>
         <p:grpSpPr>
           <a:xfrm>
-            <a:off x="785802" y="5696567"/>
+            <a:off x="785802" y="5892516"/>
             <a:ext cx="3022332" cy="660843"/>
             <a:chOff x="1206632" y="5302604"/>
             <a:chExt cx="3528114" cy="747029"/>
@@ -12127,7 +12097,7 @@
             <p:nvPr/>
           </p:nvPicPr>
           <p:blipFill>
-            <a:blip r:embed="rId6">
+            <a:blip r:embed="rId5">
               <a:extLst>
                 <a:ext uri="{28A0092B-C50C-407E-A947-70E740481C1C}">
                   <a14:useLocalDpi xmlns:a14="http://schemas.microsoft.com/office/drawing/2010/main" val="0"/>
@@ -12259,7 +12229,7 @@
         </p:nvCxnSpPr>
         <p:spPr bwMode="auto">
           <a:xfrm rot="16200000" flipH="1">
-            <a:off x="-257497" y="4983689"/>
+            <a:off x="-257497" y="5179638"/>
             <a:ext cx="1908109" cy="178490"/>
           </a:xfrm>
           <a:prstGeom prst="bentConnector2">
@@ -12304,7 +12274,7 @@
           <p:nvPr/>
         </p:nvPicPr>
         <p:blipFill>
-          <a:blip r:embed="rId7">
+          <a:blip r:embed="rId6">
             <a:extLst>
               <a:ext uri="{28A0092B-C50C-407E-A947-70E740481C1C}">
                 <a14:useLocalDpi xmlns:a14="http://schemas.microsoft.com/office/drawing/2010/main" val="0"/>
@@ -12317,7 +12287,7 @@
         </p:blipFill>
         <p:spPr>
           <a:xfrm>
-            <a:off x="5335654" y="4357124"/>
+            <a:off x="5335654" y="4553073"/>
             <a:ext cx="1449880" cy="1408256"/>
           </a:xfrm>
           <a:prstGeom prst="rect">
@@ -12340,7 +12310,7 @@
           <p:nvPr/>
         </p:nvPicPr>
         <p:blipFill>
-          <a:blip r:embed="rId7">
+          <a:blip r:embed="rId6">
             <a:extLst>
               <a:ext uri="{28A0092B-C50C-407E-A947-70E740481C1C}">
                 <a14:useLocalDpi xmlns:a14="http://schemas.microsoft.com/office/drawing/2010/main" val="0"/>
@@ -12353,7 +12323,7 @@
         </p:blipFill>
         <p:spPr>
           <a:xfrm>
-            <a:off x="8904568" y="4262879"/>
+            <a:off x="8904568" y="4458828"/>
             <a:ext cx="1504288" cy="1461102"/>
           </a:xfrm>
           <a:prstGeom prst="rect">
@@ -12453,7 +12423,7 @@
         </p:nvSpPr>
         <p:spPr bwMode="auto">
           <a:xfrm rot="16200000">
-            <a:off x="-611838" y="4958215"/>
+            <a:off x="-611838" y="5154164"/>
             <a:ext cx="1833337" cy="516194"/>
           </a:xfrm>
           <a:prstGeom prst="rect">
@@ -12558,7 +12528,7 @@
         </p:nvSpPr>
         <p:spPr bwMode="auto">
           <a:xfrm rot="16200000">
-            <a:off x="4418329" y="4805707"/>
+            <a:off x="4418329" y="4992325"/>
             <a:ext cx="1375972" cy="473976"/>
           </a:xfrm>
           <a:prstGeom prst="rect">
@@ -12617,7 +12587,24 @@
                 </a:solidFill>
                 <a:latin typeface="IBM Plex Sans" panose="020B0503050000000000" pitchFamily="34" charset="77"/>
               </a:rPr>
-              <a:t>Ibm-kpeye namespace</a:t>
+              <a:t>Ibm-proj</a:t>
+            </a:r>
+            <a:br>
+              <a:rPr lang="en-US" sz="1000" dirty="0">
+                <a:solidFill>
+                  <a:schemeClr val="tx1"/>
+                </a:solidFill>
+                <a:latin typeface="IBM Plex Sans" panose="020B0503050000000000" pitchFamily="34" charset="77"/>
+              </a:rPr>
+            </a:br>
+            <a:r>
+              <a:rPr lang="en-US" sz="1000" dirty="0">
+                <a:solidFill>
+                  <a:schemeClr val="tx1"/>
+                </a:solidFill>
+                <a:latin typeface="IBM Plex Sans" panose="020B0503050000000000" pitchFamily="34" charset="77"/>
+              </a:rPr>
+              <a:t> namespace</a:t>
             </a:r>
           </a:p>
         </p:txBody>
@@ -12636,7 +12623,7 @@
         </p:nvSpPr>
         <p:spPr bwMode="auto">
           <a:xfrm rot="5400000">
-            <a:off x="6324839" y="4819440"/>
+            <a:off x="6324839" y="5006058"/>
             <a:ext cx="1375973" cy="473975"/>
           </a:xfrm>
           <a:prstGeom prst="rect">
@@ -12695,7 +12682,7 @@
                 </a:solidFill>
                 <a:latin typeface="IBM Plex Sans" panose="020B0503050000000000" pitchFamily="34" charset="77"/>
               </a:rPr>
-              <a:t>Ibm-kpeye-test namespace</a:t>
+              <a:t>Ibm-proj-test namespace</a:t>
             </a:r>
           </a:p>
         </p:txBody>
@@ -12783,7 +12770,7 @@
         </p:nvCxnSpPr>
         <p:spPr bwMode="auto">
           <a:xfrm>
-            <a:off x="2790334" y="4143120"/>
+            <a:off x="2790334" y="4329738"/>
             <a:ext cx="2078993" cy="899575"/>
           </a:xfrm>
           <a:prstGeom prst="bentConnector3">
@@ -12829,7 +12816,7 @@
         </p:nvSpPr>
         <p:spPr bwMode="auto">
           <a:xfrm>
-            <a:off x="3517587" y="5098880"/>
+            <a:off x="3517587" y="5294829"/>
             <a:ext cx="1075398" cy="234865"/>
           </a:xfrm>
           <a:prstGeom prst="rect">
@@ -12907,7 +12894,7 @@
         </p:nvSpPr>
         <p:spPr bwMode="auto">
           <a:xfrm>
-            <a:off x="113122" y="2945189"/>
+            <a:off x="153201" y="3163039"/>
             <a:ext cx="11413305" cy="1314692"/>
           </a:xfrm>
           <a:prstGeom prst="rect">
@@ -12993,12 +12980,12 @@
         </p:nvCxnSpPr>
         <p:spPr bwMode="auto">
           <a:xfrm rot="10800000" flipV="1">
-            <a:off x="207683" y="1397516"/>
-            <a:ext cx="916266" cy="2209659"/>
+            <a:off x="207683" y="1397517"/>
+            <a:ext cx="916266" cy="2405608"/>
           </a:xfrm>
           <a:prstGeom prst="bentConnector3">
             <a:avLst>
-              <a:gd name="adj1" fmla="val 116718"/>
+              <a:gd name="adj1" fmla="val 114766"/>
             </a:avLst>
           </a:prstGeom>
           <a:ln w="12700">
@@ -13042,12 +13029,12 @@
         </p:nvCxnSpPr>
         <p:spPr bwMode="auto">
           <a:xfrm>
-            <a:off x="11526427" y="3602535"/>
-            <a:ext cx="268585" cy="1901926"/>
+            <a:off x="11566506" y="3820385"/>
+            <a:ext cx="228506" cy="1880025"/>
           </a:xfrm>
           <a:prstGeom prst="bentConnector3">
             <a:avLst>
-              <a:gd name="adj1" fmla="val 185113"/>
+              <a:gd name="adj1" fmla="val 200041"/>
             </a:avLst>
           </a:prstGeom>
           <a:ln w="12700">
@@ -13074,41 +13061,6 @@
           </a:fontRef>
         </p:style>
       </p:cxnSp>
-      <p:pic>
-        <p:nvPicPr>
-          <p:cNvPr id="1074" name="Picture 1073">
-            <a:extLst>
-              <a:ext uri="{FF2B5EF4-FFF2-40B4-BE49-F238E27FC236}">
-                <a16:creationId xmlns:a16="http://schemas.microsoft.com/office/drawing/2014/main" id="{4EEAA344-841F-498D-99A4-7852AF24E3EE}"/>
-              </a:ext>
-            </a:extLst>
-          </p:cNvPr>
-          <p:cNvPicPr>
-            <a:picLocks noChangeAspect="1"/>
-          </p:cNvPicPr>
-          <p:nvPr/>
-        </p:nvPicPr>
-        <p:blipFill>
-          <a:blip r:embed="rId8"/>
-          <a:stretch>
-            <a:fillRect/>
-          </a:stretch>
-        </p:blipFill>
-        <p:spPr>
-          <a:xfrm>
-            <a:off x="7369703" y="5975680"/>
-            <a:ext cx="4391025" cy="866775"/>
-          </a:xfrm>
-          <a:prstGeom prst="rect">
-            <a:avLst/>
-          </a:prstGeom>
-          <a:ln>
-            <a:solidFill>
-              <a:schemeClr val="tx1"/>
-            </a:solidFill>
-          </a:ln>
-        </p:spPr>
-      </p:pic>
       <p:grpSp>
         <p:nvGrpSpPr>
           <p:cNvPr id="130" name="Group 129">
@@ -14700,7 +14652,7 @@
               </a:rPr>
             </a:br>
             <a:r>
-              <a:rPr lang="en-US" sz="1050" kern="0" dirty="0" err="1">
+              <a:rPr lang="en-US" sz="1050" kern="0" dirty="0">
                 <a:solidFill>
                   <a:schemeClr val="tx1"/>
                 </a:solidFill>
@@ -14710,7 +14662,7 @@
               <a:t>docker</a:t>
             </a:r>
             <a:r>
-              <a:rPr lang="en-US" sz="1050" i="1" kern="0" dirty="0" err="1">
+              <a:rPr lang="en-US" sz="1050" i="1" kern="0" dirty="0">
                 <a:solidFill>
                   <a:schemeClr val="tx1"/>
                 </a:solidFill>
@@ -14720,7 +14672,7 @@
               <a:t>n</a:t>
             </a:r>
             <a:r>
-              <a:rPr lang="en-US" sz="1050" kern="0" dirty="0" err="1">
+              <a:rPr lang="en-US" sz="1050" kern="0" dirty="0">
                 <a:solidFill>
                   <a:schemeClr val="tx1"/>
                 </a:solidFill>
@@ -14730,16 +14682,10 @@
               <a:t>:</a:t>
             </a:r>
             <a:r>
-              <a:rPr lang="en-US" sz="1050" kern="0" dirty="0" err="1">
-                <a:ea typeface="MS PGothic" charset="-128"/>
-              </a:rPr>
-              <a:t>dev</a:t>
-            </a:r>
-            <a:r>
               <a:rPr lang="en-US" sz="1050" kern="0" dirty="0">
                 <a:ea typeface="MS PGothic" charset="-128"/>
               </a:rPr>
-              <a:t> _BUILD_NUMBER</a:t>
+              <a:t>dev _BUILD_NUMBER</a:t>
             </a:r>
             <a:endParaRPr lang="en-US" sz="1050" kern="0" dirty="0">
               <a:solidFill>
@@ -14869,20 +14815,10 @@
                 <a:latin typeface="IBM Plex Sans"/>
                 <a:ea typeface="MS PGothic" charset="-128"/>
               </a:rPr>
-              <a:t>  </a:t>
+              <a:t>  docker</a:t>
             </a:r>
             <a:r>
-              <a:rPr lang="en-US" sz="1050" kern="0" dirty="0" err="1">
-                <a:solidFill>
-                  <a:schemeClr val="tx1"/>
-                </a:solidFill>
-                <a:latin typeface="IBM Plex Sans"/>
-                <a:ea typeface="MS PGothic" charset="-128"/>
-              </a:rPr>
-              <a:t>docker</a:t>
-            </a:r>
-            <a:r>
-              <a:rPr lang="en-US" sz="1050" i="1" kern="0" dirty="0" err="1">
+              <a:rPr lang="en-US" sz="1050" i="1" kern="0" dirty="0">
                 <a:solidFill>
                   <a:schemeClr val="tx1"/>
                 </a:solidFill>
@@ -14892,7 +14828,7 @@
               <a:t>n</a:t>
             </a:r>
             <a:r>
-              <a:rPr lang="en-US" sz="1050" kern="0" dirty="0" err="1">
+              <a:rPr lang="en-US" sz="1050" kern="0" dirty="0">
                 <a:solidFill>
                   <a:schemeClr val="tx1"/>
                 </a:solidFill>
@@ -14902,7 +14838,7 @@
               <a:t>:</a:t>
             </a:r>
             <a:r>
-              <a:rPr lang="en-US" sz="1050" kern="0" dirty="0" err="1">
+              <a:rPr lang="en-US" sz="1050" kern="0" dirty="0">
                 <a:latin typeface="IBM Plex Sans"/>
                 <a:ea typeface="MS PGothic" charset="-128"/>
               </a:rPr>
@@ -15045,7 +14981,7 @@
               </a:rPr>
             </a:br>
             <a:r>
-              <a:rPr lang="en-US" sz="1050" kern="0" dirty="0" err="1">
+              <a:rPr lang="en-US" sz="1050" kern="0" dirty="0">
                 <a:solidFill>
                   <a:schemeClr val="tx1"/>
                 </a:solidFill>
@@ -15055,7 +14991,7 @@
               <a:t>docker</a:t>
             </a:r>
             <a:r>
-              <a:rPr lang="en-US" sz="1050" i="1" kern="0" dirty="0" err="1">
+              <a:rPr lang="en-US" sz="1050" i="1" kern="0" dirty="0">
                 <a:solidFill>
                   <a:schemeClr val="tx1"/>
                 </a:solidFill>
@@ -15065,7 +15001,7 @@
               <a:t>n</a:t>
             </a:r>
             <a:r>
-              <a:rPr lang="en-US" sz="1050" kern="0" dirty="0" err="1">
+              <a:rPr lang="en-US" sz="1050" kern="0" dirty="0">
                 <a:solidFill>
                   <a:schemeClr val="tx1"/>
                 </a:solidFill>
@@ -15075,7 +15011,7 @@
               <a:t>:</a:t>
             </a:r>
             <a:r>
-              <a:rPr lang="en-US" sz="1050" kern="0" dirty="0" err="1">
+              <a:rPr lang="en-US" sz="1050" kern="0" dirty="0">
                 <a:latin typeface="IBM Plex Sans"/>
                 <a:ea typeface="MS PGothic" charset="-128"/>
               </a:rPr>
@@ -15097,36 +15033,6 @@
           </a:p>
         </p:txBody>
       </p:sp>
-      <p:pic>
-        <p:nvPicPr>
-          <p:cNvPr id="1077" name="Picture 1076">
-            <a:extLst>
-              <a:ext uri="{FF2B5EF4-FFF2-40B4-BE49-F238E27FC236}">
-                <a16:creationId xmlns:a16="http://schemas.microsoft.com/office/drawing/2014/main" id="{0E08AC27-3E68-4EB8-BA02-A141A8172E1A}"/>
-              </a:ext>
-            </a:extLst>
-          </p:cNvPr>
-          <p:cNvPicPr>
-            <a:picLocks noChangeAspect="1"/>
-          </p:cNvPicPr>
-          <p:nvPr/>
-        </p:nvPicPr>
-        <p:blipFill>
-          <a:blip r:embed="rId9"/>
-          <a:stretch>
-            <a:fillRect/>
-          </a:stretch>
-        </p:blipFill>
-        <p:spPr>
-          <a:xfrm>
-            <a:off x="10094913" y="297314"/>
-            <a:ext cx="1752600" cy="419100"/>
-          </a:xfrm>
-          <a:prstGeom prst="rect">
-            <a:avLst/>
-          </a:prstGeom>
-        </p:spPr>
-      </p:pic>
       <p:sp>
         <p:nvSpPr>
           <p:cNvPr id="69" name="Rectangle 68">
@@ -15141,7 +15047,7 @@
         </p:nvSpPr>
         <p:spPr bwMode="auto">
           <a:xfrm>
-            <a:off x="694894" y="4315520"/>
+            <a:off x="694894" y="4511469"/>
             <a:ext cx="1448068" cy="437552"/>
           </a:xfrm>
           <a:prstGeom prst="rect">
@@ -15219,7 +15125,7 @@
         </p:nvGrpSpPr>
         <p:grpSpPr>
           <a:xfrm>
-            <a:off x="691870" y="4784297"/>
+            <a:off x="691870" y="4980246"/>
             <a:ext cx="1960293" cy="339362"/>
             <a:chOff x="691870" y="4661746"/>
             <a:chExt cx="1960293" cy="339362"/>
@@ -15348,7 +15254,7 @@
         </p:nvGrpSpPr>
         <p:grpSpPr>
           <a:xfrm>
-            <a:off x="691870" y="5121960"/>
+            <a:off x="691870" y="5317909"/>
             <a:ext cx="2061621" cy="459712"/>
             <a:chOff x="691870" y="4999409"/>
             <a:chExt cx="2061621" cy="459712"/>
@@ -15488,7 +15394,7 @@
         </p:nvSpPr>
         <p:spPr bwMode="auto">
           <a:xfrm>
-            <a:off x="1351480" y="2621987"/>
+            <a:off x="1351618" y="2854813"/>
             <a:ext cx="666699" cy="216895"/>
           </a:xfrm>
           <a:prstGeom prst="flowChartProcess">
@@ -15741,10 +15647,43 @@
       </p:grpSp>
       <p:sp>
         <p:nvSpPr>
-          <p:cNvPr id="91" name="AutoShape 25">
+          <p:cNvPr id="85" name="Footer Placeholder 2">
             <a:extLst>
               <a:ext uri="{FF2B5EF4-FFF2-40B4-BE49-F238E27FC236}">
-                <a16:creationId xmlns:a16="http://schemas.microsoft.com/office/drawing/2014/main" id="{4073FAE8-D526-4DFF-B4B4-3C2BFABBCAE6}"/>
+                <a16:creationId xmlns:a16="http://schemas.microsoft.com/office/drawing/2014/main" id="{6E40F6CB-2337-405E-8256-747680C9834C}"/>
+              </a:ext>
+            </a:extLst>
+          </p:cNvPr>
+          <p:cNvSpPr>
+            <a:spLocks noGrp="1"/>
+          </p:cNvSpPr>
+          <p:nvPr>
+            <p:ph type="ftr" sz="quarter" idx="10"/>
+          </p:nvPr>
+        </p:nvSpPr>
+        <p:spPr>
+          <a:xfrm>
+            <a:off x="-1961306" y="6593572"/>
+            <a:ext cx="5486312" cy="222249"/>
+          </a:xfrm>
+        </p:spPr>
+        <p:txBody>
+          <a:bodyPr/>
+          <a:lstStyle/>
+          <a:p>
+            <a:r>
+              <a:rPr lang="en-US" dirty="0"/>
+              <a:t>Simone Romano</a:t>
+            </a:r>
+          </a:p>
+        </p:txBody>
+      </p:sp>
+      <p:sp>
+        <p:nvSpPr>
+          <p:cNvPr id="87" name="AutoShape 25">
+            <a:extLst>
+              <a:ext uri="{FF2B5EF4-FFF2-40B4-BE49-F238E27FC236}">
+                <a16:creationId xmlns:a16="http://schemas.microsoft.com/office/drawing/2014/main" id="{55136A93-14F6-41DB-9480-7EB9FC04049A}"/>
               </a:ext>
             </a:extLst>
           </p:cNvPr>
@@ -15755,7 +15694,159 @@
         </p:nvSpPr>
         <p:spPr bwMode="auto">
           <a:xfrm>
-            <a:off x="5209708" y="2622932"/>
+            <a:off x="1350138" y="2624395"/>
+            <a:ext cx="676855" cy="210743"/>
+          </a:xfrm>
+          <a:prstGeom prst="flowChartProcess">
+            <a:avLst/>
+          </a:prstGeom>
+          <a:solidFill>
+            <a:srgbClr val="E64AB9"/>
+          </a:solidFill>
+          <a:ln>
+            <a:noFill/>
+          </a:ln>
+        </p:spPr>
+        <p:txBody>
+          <a:bodyPr wrap="none" lIns="60960" rIns="60960" anchor="ctr"/>
+          <a:lstStyle>
+            <a:lvl1pPr>
+              <a:defRPr sz="1400">
+                <a:solidFill>
+                  <a:schemeClr val="tx1"/>
+                </a:solidFill>
+                <a:latin typeface="Arial" charset="0"/>
+                <a:ea typeface="ＭＳ Ｐゴシック" charset="-128"/>
+              </a:defRPr>
+            </a:lvl1pPr>
+            <a:lvl2pPr marL="742950" indent="-285750">
+              <a:defRPr sz="1400">
+                <a:solidFill>
+                  <a:schemeClr val="tx1"/>
+                </a:solidFill>
+                <a:latin typeface="Arial" charset="0"/>
+                <a:ea typeface="ＭＳ Ｐゴシック" charset="-128"/>
+              </a:defRPr>
+            </a:lvl2pPr>
+            <a:lvl3pPr marL="1143000" indent="-228600">
+              <a:defRPr sz="1400">
+                <a:solidFill>
+                  <a:schemeClr val="tx1"/>
+                </a:solidFill>
+                <a:latin typeface="Arial" charset="0"/>
+                <a:ea typeface="ＭＳ Ｐゴシック" charset="-128"/>
+              </a:defRPr>
+            </a:lvl3pPr>
+            <a:lvl4pPr marL="1600200" indent="-228600">
+              <a:defRPr sz="1400">
+                <a:solidFill>
+                  <a:schemeClr val="tx1"/>
+                </a:solidFill>
+                <a:latin typeface="Arial" charset="0"/>
+                <a:ea typeface="ＭＳ Ｐゴシック" charset="-128"/>
+              </a:defRPr>
+            </a:lvl4pPr>
+            <a:lvl5pPr marL="2057400" indent="-228600">
+              <a:defRPr sz="1400">
+                <a:solidFill>
+                  <a:schemeClr val="tx1"/>
+                </a:solidFill>
+                <a:latin typeface="Arial" charset="0"/>
+                <a:ea typeface="ＭＳ Ｐゴシック" charset="-128"/>
+              </a:defRPr>
+            </a:lvl5pPr>
+            <a:lvl6pPr marL="2514600" indent="-228600" eaLnBrk="0" fontAlgn="base" hangingPunct="0">
+              <a:spcBef>
+                <a:spcPct val="0"/>
+              </a:spcBef>
+              <a:spcAft>
+                <a:spcPct val="0"/>
+              </a:spcAft>
+              <a:defRPr sz="1400">
+                <a:solidFill>
+                  <a:schemeClr val="tx1"/>
+                </a:solidFill>
+                <a:latin typeface="Arial" charset="0"/>
+                <a:ea typeface="ＭＳ Ｐゴシック" charset="-128"/>
+              </a:defRPr>
+            </a:lvl6pPr>
+            <a:lvl7pPr marL="2971800" indent="-228600" eaLnBrk="0" fontAlgn="base" hangingPunct="0">
+              <a:spcBef>
+                <a:spcPct val="0"/>
+              </a:spcBef>
+              <a:spcAft>
+                <a:spcPct val="0"/>
+              </a:spcAft>
+              <a:defRPr sz="1400">
+                <a:solidFill>
+                  <a:schemeClr val="tx1"/>
+                </a:solidFill>
+                <a:latin typeface="Arial" charset="0"/>
+                <a:ea typeface="ＭＳ Ｐゴシック" charset="-128"/>
+              </a:defRPr>
+            </a:lvl7pPr>
+            <a:lvl8pPr marL="3429000" indent="-228600" eaLnBrk="0" fontAlgn="base" hangingPunct="0">
+              <a:spcBef>
+                <a:spcPct val="0"/>
+              </a:spcBef>
+              <a:spcAft>
+                <a:spcPct val="0"/>
+              </a:spcAft>
+              <a:defRPr sz="1400">
+                <a:solidFill>
+                  <a:schemeClr val="tx1"/>
+                </a:solidFill>
+                <a:latin typeface="Arial" charset="0"/>
+                <a:ea typeface="ＭＳ Ｐゴシック" charset="-128"/>
+              </a:defRPr>
+            </a:lvl8pPr>
+            <a:lvl9pPr marL="3886200" indent="-228600" eaLnBrk="0" fontAlgn="base" hangingPunct="0">
+              <a:spcBef>
+                <a:spcPct val="0"/>
+              </a:spcBef>
+              <a:spcAft>
+                <a:spcPct val="0"/>
+              </a:spcAft>
+              <a:defRPr sz="1400">
+                <a:solidFill>
+                  <a:schemeClr val="tx1"/>
+                </a:solidFill>
+                <a:latin typeface="Arial" charset="0"/>
+                <a:ea typeface="ＭＳ Ｐゴシック" charset="-128"/>
+              </a:defRPr>
+            </a:lvl9pPr>
+          </a:lstStyle>
+          <a:p>
+            <a:pPr algn="ctr" defTabSz="914377">
+              <a:defRPr/>
+            </a:pPr>
+            <a:r>
+              <a:rPr lang="en-US" altLang="en-US" sz="1050" kern="0" dirty="0">
+                <a:latin typeface="IBM Plex Sans"/>
+                <a:ea typeface="MS PGothic" charset="-128"/>
+              </a:rPr>
+              <a:t>toolchain</a:t>
+            </a:r>
+          </a:p>
+        </p:txBody>
+      </p:sp>
+      <p:sp>
+        <p:nvSpPr>
+          <p:cNvPr id="88" name="AutoShape 25">
+            <a:extLst>
+              <a:ext uri="{FF2B5EF4-FFF2-40B4-BE49-F238E27FC236}">
+                <a16:creationId xmlns:a16="http://schemas.microsoft.com/office/drawing/2014/main" id="{98E16D61-43A0-4486-AD32-E1F4F1C475F5}"/>
+              </a:ext>
+            </a:extLst>
+          </p:cNvPr>
+          <p:cNvSpPr>
+            <a:spLocks noChangeArrowheads="1"/>
+          </p:cNvSpPr>
+          <p:nvPr/>
+        </p:nvSpPr>
+        <p:spPr bwMode="auto">
+          <a:xfrm>
+            <a:off x="5207381" y="2849017"/>
             <a:ext cx="666699" cy="216895"/>
           </a:xfrm>
           <a:prstGeom prst="flowChartProcess">
@@ -15893,10 +15984,10 @@
       </p:sp>
       <p:sp>
         <p:nvSpPr>
-          <p:cNvPr id="92" name="AutoShape 25">
+          <p:cNvPr id="89" name="AutoShape 25">
             <a:extLst>
               <a:ext uri="{FF2B5EF4-FFF2-40B4-BE49-F238E27FC236}">
-                <a16:creationId xmlns:a16="http://schemas.microsoft.com/office/drawing/2014/main" id="{B42A1560-6144-4E09-8D8E-CD61AB96F084}"/>
+                <a16:creationId xmlns:a16="http://schemas.microsoft.com/office/drawing/2014/main" id="{E7E798BF-0993-4E60-B001-0574D6905294}"/>
               </a:ext>
             </a:extLst>
           </p:cNvPr>
@@ -15907,7 +15998,159 @@
         </p:nvSpPr>
         <p:spPr bwMode="auto">
           <a:xfrm>
-            <a:off x="9131556" y="2621987"/>
+            <a:off x="5205901" y="2618599"/>
+            <a:ext cx="676855" cy="210743"/>
+          </a:xfrm>
+          <a:prstGeom prst="flowChartProcess">
+            <a:avLst/>
+          </a:prstGeom>
+          <a:solidFill>
+            <a:srgbClr val="E64AB9"/>
+          </a:solidFill>
+          <a:ln>
+            <a:noFill/>
+          </a:ln>
+        </p:spPr>
+        <p:txBody>
+          <a:bodyPr wrap="none" lIns="60960" rIns="60960" anchor="ctr"/>
+          <a:lstStyle>
+            <a:lvl1pPr>
+              <a:defRPr sz="1400">
+                <a:solidFill>
+                  <a:schemeClr val="tx1"/>
+                </a:solidFill>
+                <a:latin typeface="Arial" charset="0"/>
+                <a:ea typeface="ＭＳ Ｐゴシック" charset="-128"/>
+              </a:defRPr>
+            </a:lvl1pPr>
+            <a:lvl2pPr marL="742950" indent="-285750">
+              <a:defRPr sz="1400">
+                <a:solidFill>
+                  <a:schemeClr val="tx1"/>
+                </a:solidFill>
+                <a:latin typeface="Arial" charset="0"/>
+                <a:ea typeface="ＭＳ Ｐゴシック" charset="-128"/>
+              </a:defRPr>
+            </a:lvl2pPr>
+            <a:lvl3pPr marL="1143000" indent="-228600">
+              <a:defRPr sz="1400">
+                <a:solidFill>
+                  <a:schemeClr val="tx1"/>
+                </a:solidFill>
+                <a:latin typeface="Arial" charset="0"/>
+                <a:ea typeface="ＭＳ Ｐゴシック" charset="-128"/>
+              </a:defRPr>
+            </a:lvl3pPr>
+            <a:lvl4pPr marL="1600200" indent="-228600">
+              <a:defRPr sz="1400">
+                <a:solidFill>
+                  <a:schemeClr val="tx1"/>
+                </a:solidFill>
+                <a:latin typeface="Arial" charset="0"/>
+                <a:ea typeface="ＭＳ Ｐゴシック" charset="-128"/>
+              </a:defRPr>
+            </a:lvl4pPr>
+            <a:lvl5pPr marL="2057400" indent="-228600">
+              <a:defRPr sz="1400">
+                <a:solidFill>
+                  <a:schemeClr val="tx1"/>
+                </a:solidFill>
+                <a:latin typeface="Arial" charset="0"/>
+                <a:ea typeface="ＭＳ Ｐゴシック" charset="-128"/>
+              </a:defRPr>
+            </a:lvl5pPr>
+            <a:lvl6pPr marL="2514600" indent="-228600" eaLnBrk="0" fontAlgn="base" hangingPunct="0">
+              <a:spcBef>
+                <a:spcPct val="0"/>
+              </a:spcBef>
+              <a:spcAft>
+                <a:spcPct val="0"/>
+              </a:spcAft>
+              <a:defRPr sz="1400">
+                <a:solidFill>
+                  <a:schemeClr val="tx1"/>
+                </a:solidFill>
+                <a:latin typeface="Arial" charset="0"/>
+                <a:ea typeface="ＭＳ Ｐゴシック" charset="-128"/>
+              </a:defRPr>
+            </a:lvl6pPr>
+            <a:lvl7pPr marL="2971800" indent="-228600" eaLnBrk="0" fontAlgn="base" hangingPunct="0">
+              <a:spcBef>
+                <a:spcPct val="0"/>
+              </a:spcBef>
+              <a:spcAft>
+                <a:spcPct val="0"/>
+              </a:spcAft>
+              <a:defRPr sz="1400">
+                <a:solidFill>
+                  <a:schemeClr val="tx1"/>
+                </a:solidFill>
+                <a:latin typeface="Arial" charset="0"/>
+                <a:ea typeface="ＭＳ Ｐゴシック" charset="-128"/>
+              </a:defRPr>
+            </a:lvl7pPr>
+            <a:lvl8pPr marL="3429000" indent="-228600" eaLnBrk="0" fontAlgn="base" hangingPunct="0">
+              <a:spcBef>
+                <a:spcPct val="0"/>
+              </a:spcBef>
+              <a:spcAft>
+                <a:spcPct val="0"/>
+              </a:spcAft>
+              <a:defRPr sz="1400">
+                <a:solidFill>
+                  <a:schemeClr val="tx1"/>
+                </a:solidFill>
+                <a:latin typeface="Arial" charset="0"/>
+                <a:ea typeface="ＭＳ Ｐゴシック" charset="-128"/>
+              </a:defRPr>
+            </a:lvl8pPr>
+            <a:lvl9pPr marL="3886200" indent="-228600" eaLnBrk="0" fontAlgn="base" hangingPunct="0">
+              <a:spcBef>
+                <a:spcPct val="0"/>
+              </a:spcBef>
+              <a:spcAft>
+                <a:spcPct val="0"/>
+              </a:spcAft>
+              <a:defRPr sz="1400">
+                <a:solidFill>
+                  <a:schemeClr val="tx1"/>
+                </a:solidFill>
+                <a:latin typeface="Arial" charset="0"/>
+                <a:ea typeface="ＭＳ Ｐゴシック" charset="-128"/>
+              </a:defRPr>
+            </a:lvl9pPr>
+          </a:lstStyle>
+          <a:p>
+            <a:pPr algn="ctr" defTabSz="914377">
+              <a:defRPr/>
+            </a:pPr>
+            <a:r>
+              <a:rPr lang="en-US" altLang="en-US" sz="1050" kern="0" dirty="0">
+                <a:latin typeface="IBM Plex Sans"/>
+                <a:ea typeface="MS PGothic" charset="-128"/>
+              </a:rPr>
+              <a:t>toolchain</a:t>
+            </a:r>
+          </a:p>
+        </p:txBody>
+      </p:sp>
+      <p:sp>
+        <p:nvSpPr>
+          <p:cNvPr id="90" name="AutoShape 25">
+            <a:extLst>
+              <a:ext uri="{FF2B5EF4-FFF2-40B4-BE49-F238E27FC236}">
+                <a16:creationId xmlns:a16="http://schemas.microsoft.com/office/drawing/2014/main" id="{0F84DC3B-651C-4769-989F-11DA4D5C26E3}"/>
+              </a:ext>
+            </a:extLst>
+          </p:cNvPr>
+          <p:cNvSpPr>
+            <a:spLocks noChangeArrowheads="1"/>
+          </p:cNvSpPr>
+          <p:nvPr/>
+        </p:nvSpPr>
+        <p:spPr bwMode="auto">
+          <a:xfrm>
+            <a:off x="9135275" y="2849994"/>
             <a:ext cx="666699" cy="216895"/>
           </a:xfrm>
           <a:prstGeom prst="flowChartProcess">
@@ -16045,37 +16288,216 @@
       </p:sp>
       <p:sp>
         <p:nvSpPr>
-          <p:cNvPr id="85" name="Footer Placeholder 2">
+          <p:cNvPr id="93" name="AutoShape 25">
             <a:extLst>
               <a:ext uri="{FF2B5EF4-FFF2-40B4-BE49-F238E27FC236}">
-                <a16:creationId xmlns:a16="http://schemas.microsoft.com/office/drawing/2014/main" id="{6E40F6CB-2337-405E-8256-747680C9834C}"/>
+                <a16:creationId xmlns:a16="http://schemas.microsoft.com/office/drawing/2014/main" id="{73569214-44C6-4334-ACE7-F6A9BB7419B2}"/>
               </a:ext>
             </a:extLst>
           </p:cNvPr>
           <p:cNvSpPr>
-            <a:spLocks noGrp="1"/>
+            <a:spLocks noChangeArrowheads="1"/>
           </p:cNvSpPr>
-          <p:nvPr>
-            <p:ph type="ftr" sz="quarter" idx="10"/>
-          </p:nvPr>
+          <p:nvPr/>
         </p:nvSpPr>
-        <p:spPr>
+        <p:spPr bwMode="auto">
           <a:xfrm>
-            <a:off x="-1908398" y="6383867"/>
-            <a:ext cx="5486312" cy="222249"/>
+            <a:off x="9133795" y="2619576"/>
+            <a:ext cx="676855" cy="210743"/>
           </a:xfrm>
+          <a:prstGeom prst="flowChartProcess">
+            <a:avLst/>
+          </a:prstGeom>
+          <a:solidFill>
+            <a:srgbClr val="E64AB9"/>
+          </a:solidFill>
+          <a:ln>
+            <a:noFill/>
+          </a:ln>
         </p:spPr>
         <p:txBody>
-          <a:bodyPr/>
-          <a:lstStyle/>
+          <a:bodyPr wrap="none" lIns="60960" rIns="60960" anchor="ctr"/>
+          <a:lstStyle>
+            <a:lvl1pPr>
+              <a:defRPr sz="1400">
+                <a:solidFill>
+                  <a:schemeClr val="tx1"/>
+                </a:solidFill>
+                <a:latin typeface="Arial" charset="0"/>
+                <a:ea typeface="ＭＳ Ｐゴシック" charset="-128"/>
+              </a:defRPr>
+            </a:lvl1pPr>
+            <a:lvl2pPr marL="742950" indent="-285750">
+              <a:defRPr sz="1400">
+                <a:solidFill>
+                  <a:schemeClr val="tx1"/>
+                </a:solidFill>
+                <a:latin typeface="Arial" charset="0"/>
+                <a:ea typeface="ＭＳ Ｐゴシック" charset="-128"/>
+              </a:defRPr>
+            </a:lvl2pPr>
+            <a:lvl3pPr marL="1143000" indent="-228600">
+              <a:defRPr sz="1400">
+                <a:solidFill>
+                  <a:schemeClr val="tx1"/>
+                </a:solidFill>
+                <a:latin typeface="Arial" charset="0"/>
+                <a:ea typeface="ＭＳ Ｐゴシック" charset="-128"/>
+              </a:defRPr>
+            </a:lvl3pPr>
+            <a:lvl4pPr marL="1600200" indent="-228600">
+              <a:defRPr sz="1400">
+                <a:solidFill>
+                  <a:schemeClr val="tx1"/>
+                </a:solidFill>
+                <a:latin typeface="Arial" charset="0"/>
+                <a:ea typeface="ＭＳ Ｐゴシック" charset="-128"/>
+              </a:defRPr>
+            </a:lvl4pPr>
+            <a:lvl5pPr marL="2057400" indent="-228600">
+              <a:defRPr sz="1400">
+                <a:solidFill>
+                  <a:schemeClr val="tx1"/>
+                </a:solidFill>
+                <a:latin typeface="Arial" charset="0"/>
+                <a:ea typeface="ＭＳ Ｐゴシック" charset="-128"/>
+              </a:defRPr>
+            </a:lvl5pPr>
+            <a:lvl6pPr marL="2514600" indent="-228600" eaLnBrk="0" fontAlgn="base" hangingPunct="0">
+              <a:spcBef>
+                <a:spcPct val="0"/>
+              </a:spcBef>
+              <a:spcAft>
+                <a:spcPct val="0"/>
+              </a:spcAft>
+              <a:defRPr sz="1400">
+                <a:solidFill>
+                  <a:schemeClr val="tx1"/>
+                </a:solidFill>
+                <a:latin typeface="Arial" charset="0"/>
+                <a:ea typeface="ＭＳ Ｐゴシック" charset="-128"/>
+              </a:defRPr>
+            </a:lvl6pPr>
+            <a:lvl7pPr marL="2971800" indent="-228600" eaLnBrk="0" fontAlgn="base" hangingPunct="0">
+              <a:spcBef>
+                <a:spcPct val="0"/>
+              </a:spcBef>
+              <a:spcAft>
+                <a:spcPct val="0"/>
+              </a:spcAft>
+              <a:defRPr sz="1400">
+                <a:solidFill>
+                  <a:schemeClr val="tx1"/>
+                </a:solidFill>
+                <a:latin typeface="Arial" charset="0"/>
+                <a:ea typeface="ＭＳ Ｐゴシック" charset="-128"/>
+              </a:defRPr>
+            </a:lvl7pPr>
+            <a:lvl8pPr marL="3429000" indent="-228600" eaLnBrk="0" fontAlgn="base" hangingPunct="0">
+              <a:spcBef>
+                <a:spcPct val="0"/>
+              </a:spcBef>
+              <a:spcAft>
+                <a:spcPct val="0"/>
+              </a:spcAft>
+              <a:defRPr sz="1400">
+                <a:solidFill>
+                  <a:schemeClr val="tx1"/>
+                </a:solidFill>
+                <a:latin typeface="Arial" charset="0"/>
+                <a:ea typeface="ＭＳ Ｐゴシック" charset="-128"/>
+              </a:defRPr>
+            </a:lvl8pPr>
+            <a:lvl9pPr marL="3886200" indent="-228600" eaLnBrk="0" fontAlgn="base" hangingPunct="0">
+              <a:spcBef>
+                <a:spcPct val="0"/>
+              </a:spcBef>
+              <a:spcAft>
+                <a:spcPct val="0"/>
+              </a:spcAft>
+              <a:defRPr sz="1400">
+                <a:solidFill>
+                  <a:schemeClr val="tx1"/>
+                </a:solidFill>
+                <a:latin typeface="Arial" charset="0"/>
+                <a:ea typeface="ＭＳ Ｐゴシック" charset="-128"/>
+              </a:defRPr>
+            </a:lvl9pPr>
+          </a:lstStyle>
           <a:p>
+            <a:pPr algn="ctr" defTabSz="914377">
+              <a:defRPr/>
+            </a:pPr>
             <a:r>
-              <a:rPr lang="en-US" dirty="0"/>
-              <a:t>Simone Romano</a:t>
+              <a:rPr lang="en-US" altLang="en-US" sz="1050" kern="0" dirty="0">
+                <a:latin typeface="IBM Plex Sans"/>
+                <a:ea typeface="MS PGothic" charset="-128"/>
+              </a:rPr>
+              <a:t>toolchain</a:t>
             </a:r>
           </a:p>
         </p:txBody>
       </p:sp>
+      <p:pic>
+        <p:nvPicPr>
+          <p:cNvPr id="12" name="Picture 11">
+            <a:extLst>
+              <a:ext uri="{FF2B5EF4-FFF2-40B4-BE49-F238E27FC236}">
+                <a16:creationId xmlns:a16="http://schemas.microsoft.com/office/drawing/2014/main" id="{48521899-DFCF-402F-895D-8E4B51A6C2BD}"/>
+              </a:ext>
+            </a:extLst>
+          </p:cNvPr>
+          <p:cNvPicPr>
+            <a:picLocks noChangeAspect="1"/>
+          </p:cNvPicPr>
+          <p:nvPr/>
+        </p:nvPicPr>
+        <p:blipFill>
+          <a:blip r:embed="rId7"/>
+          <a:stretch>
+            <a:fillRect/>
+          </a:stretch>
+        </p:blipFill>
+        <p:spPr>
+          <a:xfrm>
+            <a:off x="6768256" y="5961329"/>
+            <a:ext cx="4410075" cy="885825"/>
+          </a:xfrm>
+          <a:prstGeom prst="rect">
+            <a:avLst/>
+          </a:prstGeom>
+        </p:spPr>
+      </p:pic>
+      <p:pic>
+        <p:nvPicPr>
+          <p:cNvPr id="21" name="Picture 21" descr="A close up of a logo&#10;&#10;Description generated with very high confidence">
+            <a:extLst>
+              <a:ext uri="{FF2B5EF4-FFF2-40B4-BE49-F238E27FC236}">
+                <a16:creationId xmlns:a16="http://schemas.microsoft.com/office/drawing/2014/main" id="{0844417D-3CED-44EE-ABBA-6DC5BA96C6CC}"/>
+              </a:ext>
+            </a:extLst>
+          </p:cNvPr>
+          <p:cNvPicPr>
+            <a:picLocks noChangeAspect="1"/>
+          </p:cNvPicPr>
+          <p:nvPr/>
+        </p:nvPicPr>
+        <p:blipFill>
+          <a:blip r:embed="rId8"/>
+          <a:stretch>
+            <a:fillRect/>
+          </a:stretch>
+        </p:blipFill>
+        <p:spPr>
+          <a:xfrm>
+            <a:off x="10818796" y="5198552"/>
+            <a:ext cx="976216" cy="1003715"/>
+          </a:xfrm>
+          <a:prstGeom prst="rect">
+            <a:avLst/>
+          </a:prstGeom>
+        </p:spPr>
+      </p:pic>
     </p:spTree>
     <p:extLst>
       <p:ext uri="{BB962C8B-B14F-4D97-AF65-F5344CB8AC3E}">
@@ -16607,51 +17029,6 @@
                                         </p:cTn>
                                         <p:tgtEl>
                                           <p:spTgt spid="83"/>
-                                        </p:tgtEl>
-                                        <p:attrNameLst>
-                                          <p:attrName>style.visibility</p:attrName>
-                                        </p:attrNameLst>
-                                      </p:cBhvr>
-                                      <p:to>
-                                        <p:strVal val="visible"/>
-                                      </p:to>
-                                    </p:set>
-                                  </p:childTnLst>
-                                </p:cTn>
-                              </p:par>
-                            </p:childTnLst>
-                          </p:cTn>
-                        </p:par>
-                      </p:childTnLst>
-                    </p:cTn>
-                  </p:par>
-                  <p:par>
-                    <p:cTn id="47" fill="hold">
-                      <p:stCondLst>
-                        <p:cond delay="indefinite"/>
-                      </p:stCondLst>
-                      <p:childTnLst>
-                        <p:par>
-                          <p:cTn id="48" fill="hold">
-                            <p:stCondLst>
-                              <p:cond delay="0"/>
-                            </p:stCondLst>
-                            <p:childTnLst>
-                              <p:par>
-                                <p:cTn id="49" presetID="1" presetClass="entr" presetSubtype="0" fill="hold" nodeType="clickEffect">
-                                  <p:stCondLst>
-                                    <p:cond delay="0"/>
-                                  </p:stCondLst>
-                                  <p:childTnLst>
-                                    <p:set>
-                                      <p:cBhvr>
-                                        <p:cTn id="50" dur="1" fill="hold">
-                                          <p:stCondLst>
-                                            <p:cond delay="0"/>
-                                          </p:stCondLst>
-                                        </p:cTn>
-                                        <p:tgtEl>
-                                          <p:spTgt spid="1074"/>
                                         </p:tgtEl>
                                         <p:attrNameLst>
                                           <p:attrName>style.visibility</p:attrName>

--- a/doc/kubedev.pptx
+++ b/doc/kubedev.pptx
@@ -18252,7 +18252,7 @@
         </p:nvGrpSpPr>
         <p:grpSpPr>
           <a:xfrm>
-            <a:off x="8109898" y="2111557"/>
+            <a:off x="8167510" y="2495912"/>
             <a:ext cx="3805748" cy="3821140"/>
             <a:chOff x="141695" y="981978"/>
             <a:chExt cx="3805748" cy="3821140"/>
@@ -19072,9 +19072,9 @@
         <p:grpSpPr>
           <a:xfrm>
             <a:off x="7281396" y="442464"/>
-            <a:ext cx="1109089" cy="1254185"/>
+            <a:ext cx="1109089" cy="1494326"/>
             <a:chOff x="7281396" y="442464"/>
-            <a:chExt cx="1109089" cy="1254185"/>
+            <a:chExt cx="1109089" cy="1494326"/>
           </a:xfrm>
         </p:grpSpPr>
         <p:grpSp>
@@ -19831,7 +19831,7 @@
           </p:nvSpPr>
           <p:spPr bwMode="auto">
             <a:xfrm>
-              <a:off x="7290822" y="1479754"/>
+              <a:off x="7290822" y="1719895"/>
               <a:ext cx="666699" cy="216895"/>
             </a:xfrm>
             <a:prstGeom prst="flowChartProcess">
@@ -19987,7 +19987,7 @@
         <p:spPr bwMode="auto">
           <a:xfrm>
             <a:off x="7834164" y="3135938"/>
-            <a:ext cx="275734" cy="886189"/>
+            <a:ext cx="333346" cy="1270544"/>
           </a:xfrm>
           <a:prstGeom prst="bentConnector3">
             <a:avLst/>
@@ -20034,8 +20034,8 @@
         </p:nvCxnSpPr>
         <p:spPr bwMode="auto">
           <a:xfrm rot="16200000" flipV="1">
-            <a:off x="8666868" y="878856"/>
-            <a:ext cx="523355" cy="1942047"/>
+            <a:off x="8623567" y="1162298"/>
+            <a:ext cx="667569" cy="1999659"/>
           </a:xfrm>
           <a:prstGeom prst="bentConnector2">
             <a:avLst/>
@@ -20078,7 +20078,7 @@
         </p:nvSpPr>
         <p:spPr>
           <a:xfrm>
-            <a:off x="7756151" y="1748770"/>
+            <a:off x="7757964" y="2025039"/>
             <a:ext cx="2104287" cy="290414"/>
           </a:xfrm>
           <a:prstGeom prst="rect">
@@ -20139,8 +20139,8 @@
         </p:nvCxnSpPr>
         <p:spPr bwMode="auto">
           <a:xfrm rot="16200000" flipH="1">
-            <a:off x="7591497" y="1729323"/>
-            <a:ext cx="197328" cy="131979"/>
+            <a:off x="7574340" y="1986622"/>
+            <a:ext cx="233456" cy="133792"/>
           </a:xfrm>
           <a:prstGeom prst="bentConnector2">
             <a:avLst/>
@@ -20245,6 +20245,158 @@
             <a:r>
               <a:rPr lang="en-US" dirty="0"/>
               <a:t>Simone Romano</a:t>
+            </a:r>
+          </a:p>
+        </p:txBody>
+      </p:sp>
+      <p:sp>
+        <p:nvSpPr>
+          <p:cNvPr id="36" name="AutoShape 25">
+            <a:extLst>
+              <a:ext uri="{FF2B5EF4-FFF2-40B4-BE49-F238E27FC236}">
+                <a16:creationId xmlns:a16="http://schemas.microsoft.com/office/drawing/2014/main" id="{110398EB-DC71-417F-9AD3-3FC576FCB520}"/>
+              </a:ext>
+            </a:extLst>
+          </p:cNvPr>
+          <p:cNvSpPr>
+            <a:spLocks noChangeArrowheads="1"/>
+          </p:cNvSpPr>
+          <p:nvPr/>
+        </p:nvSpPr>
+        <p:spPr bwMode="auto">
+          <a:xfrm>
+            <a:off x="7290822" y="1483626"/>
+            <a:ext cx="676855" cy="210743"/>
+          </a:xfrm>
+          <a:prstGeom prst="flowChartProcess">
+            <a:avLst/>
+          </a:prstGeom>
+          <a:solidFill>
+            <a:srgbClr val="E64AB9"/>
+          </a:solidFill>
+          <a:ln>
+            <a:noFill/>
+          </a:ln>
+        </p:spPr>
+        <p:txBody>
+          <a:bodyPr wrap="none" lIns="60960" rIns="60960" anchor="ctr"/>
+          <a:lstStyle>
+            <a:lvl1pPr>
+              <a:defRPr sz="1400">
+                <a:solidFill>
+                  <a:schemeClr val="tx1"/>
+                </a:solidFill>
+                <a:latin typeface="Arial" charset="0"/>
+                <a:ea typeface="ＭＳ Ｐゴシック" charset="-128"/>
+              </a:defRPr>
+            </a:lvl1pPr>
+            <a:lvl2pPr marL="742950" indent="-285750">
+              <a:defRPr sz="1400">
+                <a:solidFill>
+                  <a:schemeClr val="tx1"/>
+                </a:solidFill>
+                <a:latin typeface="Arial" charset="0"/>
+                <a:ea typeface="ＭＳ Ｐゴシック" charset="-128"/>
+              </a:defRPr>
+            </a:lvl2pPr>
+            <a:lvl3pPr marL="1143000" indent="-228600">
+              <a:defRPr sz="1400">
+                <a:solidFill>
+                  <a:schemeClr val="tx1"/>
+                </a:solidFill>
+                <a:latin typeface="Arial" charset="0"/>
+                <a:ea typeface="ＭＳ Ｐゴシック" charset="-128"/>
+              </a:defRPr>
+            </a:lvl3pPr>
+            <a:lvl4pPr marL="1600200" indent="-228600">
+              <a:defRPr sz="1400">
+                <a:solidFill>
+                  <a:schemeClr val="tx1"/>
+                </a:solidFill>
+                <a:latin typeface="Arial" charset="0"/>
+                <a:ea typeface="ＭＳ Ｐゴシック" charset="-128"/>
+              </a:defRPr>
+            </a:lvl4pPr>
+            <a:lvl5pPr marL="2057400" indent="-228600">
+              <a:defRPr sz="1400">
+                <a:solidFill>
+                  <a:schemeClr val="tx1"/>
+                </a:solidFill>
+                <a:latin typeface="Arial" charset="0"/>
+                <a:ea typeface="ＭＳ Ｐゴシック" charset="-128"/>
+              </a:defRPr>
+            </a:lvl5pPr>
+            <a:lvl6pPr marL="2514600" indent="-228600" eaLnBrk="0" fontAlgn="base" hangingPunct="0">
+              <a:spcBef>
+                <a:spcPct val="0"/>
+              </a:spcBef>
+              <a:spcAft>
+                <a:spcPct val="0"/>
+              </a:spcAft>
+              <a:defRPr sz="1400">
+                <a:solidFill>
+                  <a:schemeClr val="tx1"/>
+                </a:solidFill>
+                <a:latin typeface="Arial" charset="0"/>
+                <a:ea typeface="ＭＳ Ｐゴシック" charset="-128"/>
+              </a:defRPr>
+            </a:lvl6pPr>
+            <a:lvl7pPr marL="2971800" indent="-228600" eaLnBrk="0" fontAlgn="base" hangingPunct="0">
+              <a:spcBef>
+                <a:spcPct val="0"/>
+              </a:spcBef>
+              <a:spcAft>
+                <a:spcPct val="0"/>
+              </a:spcAft>
+              <a:defRPr sz="1400">
+                <a:solidFill>
+                  <a:schemeClr val="tx1"/>
+                </a:solidFill>
+                <a:latin typeface="Arial" charset="0"/>
+                <a:ea typeface="ＭＳ Ｐゴシック" charset="-128"/>
+              </a:defRPr>
+            </a:lvl7pPr>
+            <a:lvl8pPr marL="3429000" indent="-228600" eaLnBrk="0" fontAlgn="base" hangingPunct="0">
+              <a:spcBef>
+                <a:spcPct val="0"/>
+              </a:spcBef>
+              <a:spcAft>
+                <a:spcPct val="0"/>
+              </a:spcAft>
+              <a:defRPr sz="1400">
+                <a:solidFill>
+                  <a:schemeClr val="tx1"/>
+                </a:solidFill>
+                <a:latin typeface="Arial" charset="0"/>
+                <a:ea typeface="ＭＳ Ｐゴシック" charset="-128"/>
+              </a:defRPr>
+            </a:lvl8pPr>
+            <a:lvl9pPr marL="3886200" indent="-228600" eaLnBrk="0" fontAlgn="base" hangingPunct="0">
+              <a:spcBef>
+                <a:spcPct val="0"/>
+              </a:spcBef>
+              <a:spcAft>
+                <a:spcPct val="0"/>
+              </a:spcAft>
+              <a:defRPr sz="1400">
+                <a:solidFill>
+                  <a:schemeClr val="tx1"/>
+                </a:solidFill>
+                <a:latin typeface="Arial" charset="0"/>
+                <a:ea typeface="ＭＳ Ｐゴシック" charset="-128"/>
+              </a:defRPr>
+            </a:lvl9pPr>
+          </a:lstStyle>
+          <a:p>
+            <a:pPr algn="ctr" defTabSz="914377">
+              <a:defRPr/>
+            </a:pPr>
+            <a:r>
+              <a:rPr lang="en-US" altLang="en-US" sz="1050" kern="0" dirty="0">
+                <a:latin typeface="IBM Plex Sans"/>
+                <a:ea typeface="MS PGothic" charset="-128"/>
+              </a:rPr>
+              <a:t>toolchain</a:t>
             </a:r>
           </a:p>
         </p:txBody>

--- a/doc/kubedev.pptx
+++ b/doc/kubedev.pptx
@@ -204,7 +204,7 @@
           <a:p>
             <a:fld id="{85D2E5E6-8ACF-4249-B6A2-B4B06C2A58D1}" type="datetimeFigureOut">
               <a:rPr lang="en-US" smtClean="0"/>
-              <a:t>3/8/2020</a:t>
+              <a:t>3/10/2020</a:t>
             </a:fld>
             <a:endParaRPr lang="en-US"/>
           </a:p>
@@ -919,7 +919,7 @@
           <a:p>
             <a:fld id="{FB92D7AE-B8DF-490A-A568-D5965E5CB2BE}" type="datetimeFigureOut">
               <a:rPr lang="en-US" smtClean="0"/>
-              <a:t>3/8/2020</a:t>
+              <a:t>3/10/2020</a:t>
             </a:fld>
             <a:endParaRPr lang="en-US"/>
           </a:p>
@@ -1117,7 +1117,7 @@
           <a:p>
             <a:fld id="{FB92D7AE-B8DF-490A-A568-D5965E5CB2BE}" type="datetimeFigureOut">
               <a:rPr lang="en-US" smtClean="0"/>
-              <a:t>3/8/2020</a:t>
+              <a:t>3/10/2020</a:t>
             </a:fld>
             <a:endParaRPr lang="en-US"/>
           </a:p>
@@ -1325,7 +1325,7 @@
           <a:p>
             <a:fld id="{FB92D7AE-B8DF-490A-A568-D5965E5CB2BE}" type="datetimeFigureOut">
               <a:rPr lang="en-US" smtClean="0"/>
-              <a:t>3/8/2020</a:t>
+              <a:t>3/10/2020</a:t>
             </a:fld>
             <a:endParaRPr lang="en-US"/>
           </a:p>
@@ -2016,7 +2016,7 @@
           <a:p>
             <a:fld id="{FB92D7AE-B8DF-490A-A568-D5965E5CB2BE}" type="datetimeFigureOut">
               <a:rPr lang="en-US" smtClean="0"/>
-              <a:t>3/8/2020</a:t>
+              <a:t>3/10/2020</a:t>
             </a:fld>
             <a:endParaRPr lang="en-US"/>
           </a:p>
@@ -2291,7 +2291,7 @@
           <a:p>
             <a:fld id="{FB92D7AE-B8DF-490A-A568-D5965E5CB2BE}" type="datetimeFigureOut">
               <a:rPr lang="en-US" smtClean="0"/>
-              <a:t>3/8/2020</a:t>
+              <a:t>3/10/2020</a:t>
             </a:fld>
             <a:endParaRPr lang="en-US"/>
           </a:p>
@@ -2556,7 +2556,7 @@
           <a:p>
             <a:fld id="{FB92D7AE-B8DF-490A-A568-D5965E5CB2BE}" type="datetimeFigureOut">
               <a:rPr lang="en-US" smtClean="0"/>
-              <a:t>3/8/2020</a:t>
+              <a:t>3/10/2020</a:t>
             </a:fld>
             <a:endParaRPr lang="en-US"/>
           </a:p>
@@ -2968,7 +2968,7 @@
           <a:p>
             <a:fld id="{FB92D7AE-B8DF-490A-A568-D5965E5CB2BE}" type="datetimeFigureOut">
               <a:rPr lang="en-US" smtClean="0"/>
-              <a:t>3/8/2020</a:t>
+              <a:t>3/10/2020</a:t>
             </a:fld>
             <a:endParaRPr lang="en-US"/>
           </a:p>
@@ -3109,7 +3109,7 @@
           <a:p>
             <a:fld id="{FB92D7AE-B8DF-490A-A568-D5965E5CB2BE}" type="datetimeFigureOut">
               <a:rPr lang="en-US" smtClean="0"/>
-              <a:t>3/8/2020</a:t>
+              <a:t>3/10/2020</a:t>
             </a:fld>
             <a:endParaRPr lang="en-US"/>
           </a:p>
@@ -3222,7 +3222,7 @@
           <a:p>
             <a:fld id="{FB92D7AE-B8DF-490A-A568-D5965E5CB2BE}" type="datetimeFigureOut">
               <a:rPr lang="en-US" smtClean="0"/>
-              <a:t>3/8/2020</a:t>
+              <a:t>3/10/2020</a:t>
             </a:fld>
             <a:endParaRPr lang="en-US"/>
           </a:p>
@@ -3533,7 +3533,7 @@
           <a:p>
             <a:fld id="{FB92D7AE-B8DF-490A-A568-D5965E5CB2BE}" type="datetimeFigureOut">
               <a:rPr lang="en-US" smtClean="0"/>
-              <a:t>3/8/2020</a:t>
+              <a:t>3/10/2020</a:t>
             </a:fld>
             <a:endParaRPr lang="en-US"/>
           </a:p>
@@ -3821,7 +3821,7 @@
           <a:p>
             <a:fld id="{FB92D7AE-B8DF-490A-A568-D5965E5CB2BE}" type="datetimeFigureOut">
               <a:rPr lang="en-US" smtClean="0"/>
-              <a:t>3/8/2020</a:t>
+              <a:t>3/10/2020</a:t>
             </a:fld>
             <a:endParaRPr lang="en-US"/>
           </a:p>
@@ -4062,7 +4062,7 @@
           <a:p>
             <a:fld id="{FB92D7AE-B8DF-490A-A568-D5965E5CB2BE}" type="datetimeFigureOut">
               <a:rPr lang="en-US" smtClean="0"/>
-              <a:t>3/8/2020</a:t>
+              <a:t>3/10/2020</a:t>
             </a:fld>
             <a:endParaRPr lang="en-US"/>
           </a:p>
@@ -16440,10 +16440,10 @@
       </p:sp>
       <p:pic>
         <p:nvPicPr>
-          <p:cNvPr id="12" name="Picture 11">
+          <p:cNvPr id="3" name="Picture 2">
             <a:extLst>
               <a:ext uri="{FF2B5EF4-FFF2-40B4-BE49-F238E27FC236}">
-                <a16:creationId xmlns:a16="http://schemas.microsoft.com/office/drawing/2014/main" id="{48521899-DFCF-402F-895D-8E4B51A6C2BD}"/>
+                <a16:creationId xmlns:a16="http://schemas.microsoft.com/office/drawing/2014/main" id="{DE2B1B1C-90CB-451C-9843-54A9876F6041}"/>
               </a:ext>
             </a:extLst>
           </p:cNvPr>
@@ -16460,7 +16460,7 @@
         </p:blipFill>
         <p:spPr>
           <a:xfrm>
-            <a:off x="6768256" y="5961329"/>
+            <a:off x="6722075" y="5949098"/>
             <a:ext cx="4410075" cy="885825"/>
           </a:xfrm>
           <a:prstGeom prst="rect">
